--- a/Applied Data Science - Naive Bayes.pptx
+++ b/Applied Data Science - Naive Bayes.pptx
@@ -5,16 +5,18 @@
     <p:sldMasterId id="2147483833" r:id="rId1"/>
   </p:sldMasterIdLst>
   <p:notesMasterIdLst>
-    <p:notesMasterId r:id="rId9"/>
+    <p:notesMasterId r:id="rId11"/>
   </p:notesMasterIdLst>
   <p:sldIdLst>
     <p:sldId id="256" r:id="rId2"/>
     <p:sldId id="266" r:id="rId3"/>
     <p:sldId id="265" r:id="rId4"/>
-    <p:sldId id="262" r:id="rId5"/>
-    <p:sldId id="264" r:id="rId6"/>
-    <p:sldId id="263" r:id="rId7"/>
-    <p:sldId id="267" r:id="rId8"/>
+    <p:sldId id="268" r:id="rId5"/>
+    <p:sldId id="263" r:id="rId6"/>
+    <p:sldId id="269" r:id="rId7"/>
+    <p:sldId id="270" r:id="rId8"/>
+    <p:sldId id="271" r:id="rId9"/>
+    <p:sldId id="267" r:id="rId10"/>
   </p:sldIdLst>
   <p:sldSz cx="12192000" cy="6858000"/>
   <p:notesSz cx="6858000" cy="9144000"/>
@@ -203,7 +205,7 @@
           <a:p>
             <a:fld id="{F1D2C95C-E6C5-47EE-A945-EBB416EE6C3F}" type="datetimeFigureOut">
               <a:rPr lang="en-US" smtClean="0"/>
-              <a:t>5/9/2017</a:t>
+              <a:t>5/16/2017</a:t>
             </a:fld>
             <a:endParaRPr lang="en-US"/>
           </a:p>
@@ -623,7 +625,7 @@
           <a:p>
             <a:fld id="{BF4D7DE9-04F8-4F0B-A692-02FE1DAE9F6D}" type="datetimeFigureOut">
               <a:rPr lang="en-US" smtClean="0"/>
-              <a:t>5/9/2017</a:t>
+              <a:t>5/16/2017</a:t>
             </a:fld>
             <a:endParaRPr lang="en-US"/>
           </a:p>
@@ -1008,7 +1010,7 @@
           <a:p>
             <a:fld id="{BF4D7DE9-04F8-4F0B-A692-02FE1DAE9F6D}" type="datetimeFigureOut">
               <a:rPr lang="en-US" smtClean="0"/>
-              <a:t>5/9/2017</a:t>
+              <a:t>5/16/2017</a:t>
             </a:fld>
             <a:endParaRPr lang="en-US"/>
           </a:p>
@@ -1293,7 +1295,7 @@
           <a:p>
             <a:fld id="{BF4D7DE9-04F8-4F0B-A692-02FE1DAE9F6D}" type="datetimeFigureOut">
               <a:rPr lang="en-US" smtClean="0"/>
-              <a:t>5/9/2017</a:t>
+              <a:t>5/16/2017</a:t>
             </a:fld>
             <a:endParaRPr lang="en-US"/>
           </a:p>
@@ -1498,7 +1500,7 @@
           <a:p>
             <a:fld id="{BF4D7DE9-04F8-4F0B-A692-02FE1DAE9F6D}" type="datetimeFigureOut">
               <a:rPr lang="en-US" smtClean="0"/>
-              <a:t>5/9/2017</a:t>
+              <a:t>5/16/2017</a:t>
             </a:fld>
             <a:endParaRPr lang="en-US"/>
           </a:p>
@@ -1678,7 +1680,7 @@
           <a:p>
             <a:fld id="{BF4D7DE9-04F8-4F0B-A692-02FE1DAE9F6D}" type="datetimeFigureOut">
               <a:rPr lang="en-US" smtClean="0"/>
-              <a:t>5/9/2017</a:t>
+              <a:t>5/16/2017</a:t>
             </a:fld>
             <a:endParaRPr lang="en-US"/>
           </a:p>
@@ -1909,7 +1911,7 @@
           <a:p>
             <a:fld id="{BF4D7DE9-04F8-4F0B-A692-02FE1DAE9F6D}" type="datetimeFigureOut">
               <a:rPr lang="en-US" smtClean="0"/>
-              <a:t>5/9/2017</a:t>
+              <a:t>5/16/2017</a:t>
             </a:fld>
             <a:endParaRPr lang="en-US"/>
           </a:p>
@@ -2117,7 +2119,7 @@
           <a:p>
             <a:fld id="{BF4D7DE9-04F8-4F0B-A692-02FE1DAE9F6D}" type="datetimeFigureOut">
               <a:rPr lang="en-US" smtClean="0"/>
-              <a:t>5/9/2017</a:t>
+              <a:t>5/16/2017</a:t>
             </a:fld>
             <a:endParaRPr lang="en-US"/>
           </a:p>
@@ -2464,7 +2466,7 @@
           <a:p>
             <a:fld id="{BF4D7DE9-04F8-4F0B-A692-02FE1DAE9F6D}" type="datetimeFigureOut">
               <a:rPr lang="en-US" smtClean="0"/>
-              <a:t>5/9/2017</a:t>
+              <a:t>5/16/2017</a:t>
             </a:fld>
             <a:endParaRPr lang="en-US"/>
           </a:p>
@@ -2843,7 +2845,7 @@
           <a:p>
             <a:fld id="{BF4D7DE9-04F8-4F0B-A692-02FE1DAE9F6D}" type="datetimeFigureOut">
               <a:rPr lang="en-US" smtClean="0"/>
-              <a:t>5/9/2017</a:t>
+              <a:t>5/16/2017</a:t>
             </a:fld>
             <a:endParaRPr lang="en-US"/>
           </a:p>
@@ -3300,7 +3302,7 @@
           <a:p>
             <a:fld id="{BF4D7DE9-04F8-4F0B-A692-02FE1DAE9F6D}" type="datetimeFigureOut">
               <a:rPr lang="en-US" smtClean="0"/>
-              <a:t>5/9/2017</a:t>
+              <a:t>5/16/2017</a:t>
             </a:fld>
             <a:endParaRPr lang="en-US"/>
           </a:p>
@@ -3425,7 +3427,7 @@
           <a:p>
             <a:fld id="{BF4D7DE9-04F8-4F0B-A692-02FE1DAE9F6D}" type="datetimeFigureOut">
               <a:rPr lang="en-US" smtClean="0"/>
-              <a:t>5/9/2017</a:t>
+              <a:t>5/16/2017</a:t>
             </a:fld>
             <a:endParaRPr lang="en-US"/>
           </a:p>
@@ -3527,7 +3529,7 @@
           <a:p>
             <a:fld id="{BF4D7DE9-04F8-4F0B-A692-02FE1DAE9F6D}" type="datetimeFigureOut">
               <a:rPr lang="en-US" smtClean="0"/>
-              <a:t>5/9/2017</a:t>
+              <a:t>5/16/2017</a:t>
             </a:fld>
             <a:endParaRPr lang="en-US"/>
           </a:p>
@@ -3627,7 +3629,7 @@
           <a:p>
             <a:fld id="{BF4D7DE9-04F8-4F0B-A692-02FE1DAE9F6D}" type="datetimeFigureOut">
               <a:rPr lang="en-US" smtClean="0"/>
-              <a:t>5/9/2017</a:t>
+              <a:t>5/16/2017</a:t>
             </a:fld>
             <a:endParaRPr lang="en-US"/>
           </a:p>
@@ -3930,7 +3932,7 @@
           <a:p>
             <a:fld id="{BF4D7DE9-04F8-4F0B-A692-02FE1DAE9F6D}" type="datetimeFigureOut">
               <a:rPr lang="en-US" smtClean="0"/>
-              <a:t>5/9/2017</a:t>
+              <a:t>5/16/2017</a:t>
             </a:fld>
             <a:endParaRPr lang="en-US"/>
           </a:p>
@@ -4787,115 +4789,49 @@
           <a:chExt cx="0" cy="0"/>
         </a:xfrm>
       </p:grpSpPr>
-      <p:sp>
-        <p:nvSpPr>
-          <p:cNvPr id="2" name="Title 1"/>
-          <p:cNvSpPr>
-            <a:spLocks noGrp="1"/>
-          </p:cNvSpPr>
-          <p:nvPr>
-            <p:ph type="title"/>
-          </p:nvPr>
-        </p:nvSpPr>
-        <p:spPr/>
-        <p:txBody>
-          <a:bodyPr/>
-          <a:lstStyle/>
-          <a:p>
-            <a:r>
-              <a:rPr lang="en-US" dirty="0" smtClean="0"/>
-              <a:t>Properties</a:t>
-            </a:r>
-            <a:endParaRPr lang="he-IL" dirty="0"/>
-          </a:p>
-        </p:txBody>
-      </p:sp>
-      <p:sp>
-        <p:nvSpPr>
+      <p:pic>
+        <p:nvPicPr>
           <p:cNvPr id="3" name="Content Placeholder 2"/>
-          <p:cNvSpPr>
-            <a:spLocks noGrp="1"/>
-          </p:cNvSpPr>
+          <p:cNvPicPr>
+            <a:picLocks noGrp="1" noChangeAspect="1"/>
+          </p:cNvPicPr>
           <p:nvPr>
             <p:ph idx="1"/>
           </p:nvPr>
-        </p:nvSpPr>
-        <p:spPr/>
-        <p:txBody>
-          <a:bodyPr>
-            <a:normAutofit lnSpcReduction="10000"/>
-          </a:bodyPr>
-          <a:lstStyle/>
-          <a:p>
-            <a:r>
-              <a:rPr lang="en-US" dirty="0" smtClean="0"/>
-              <a:t>Very fast</a:t>
-            </a:r>
-          </a:p>
-          <a:p>
-            <a:r>
-              <a:rPr lang="en-US" dirty="0" smtClean="0"/>
-              <a:t>Good for big data with big velocity</a:t>
-            </a:r>
-          </a:p>
-          <a:p>
-            <a:r>
-              <a:rPr lang="en-US" dirty="0" smtClean="0"/>
-              <a:t>Great for parallelization</a:t>
-            </a:r>
-          </a:p>
-          <a:p>
-            <a:r>
-              <a:rPr lang="en-US" dirty="0" smtClean="0"/>
-              <a:t>Ignores interactions and therefore needs less data</a:t>
-            </a:r>
-          </a:p>
-          <a:p>
-            <a:r>
-              <a:rPr lang="en-US" dirty="0" smtClean="0"/>
-              <a:t>Works well with multiclass problems</a:t>
-            </a:r>
-          </a:p>
-          <a:p>
-            <a:r>
-              <a:rPr lang="en-US" dirty="0" smtClean="0"/>
-              <a:t>Works </a:t>
-            </a:r>
-            <a:r>
-              <a:rPr lang="en-US" dirty="0"/>
-              <a:t>well with missing data</a:t>
-            </a:r>
-          </a:p>
-          <a:p>
-            <a:r>
-              <a:rPr lang="en-US" dirty="0" smtClean="0"/>
-              <a:t>Can use different distributions</a:t>
-            </a:r>
-          </a:p>
-          <a:p>
-            <a:r>
-              <a:rPr lang="en-US" dirty="0" smtClean="0"/>
-              <a:t>Can be used for segments of the data (with other models for the rest)</a:t>
-            </a:r>
-          </a:p>
-          <a:p>
-            <a:r>
-              <a:rPr lang="en-US" dirty="0" smtClean="0"/>
-              <a:t>Can be used as a generative model (e.g. generate text)</a:t>
-            </a:r>
-          </a:p>
-        </p:txBody>
-      </p:sp>
+        </p:nvPicPr>
+        <p:blipFill>
+          <a:blip r:embed="rId2"/>
+          <a:stretch>
+            <a:fillRect/>
+          </a:stretch>
+        </p:blipFill>
+        <p:spPr>
+          <a:xfrm>
+            <a:off x="1391591" y="642551"/>
+            <a:ext cx="9346906" cy="5693548"/>
+          </a:xfrm>
+          <a:prstGeom prst="rect">
+            <a:avLst/>
+          </a:prstGeom>
+        </p:spPr>
+      </p:pic>
     </p:spTree>
     <p:extLst>
       <p:ext uri="{BB962C8B-B14F-4D97-AF65-F5344CB8AC3E}">
-        <p14:creationId xmlns:p14="http://schemas.microsoft.com/office/powerpoint/2010/main" val="2782388530"/>
+        <p14:creationId xmlns:p14="http://schemas.microsoft.com/office/powerpoint/2010/main" val="3998766602"/>
       </p:ext>
     </p:extLst>
   </p:cSld>
   <p:clrMapOvr>
     <a:masterClrMapping/>
   </p:clrMapOvr>
+  <p:timing>
+    <p:tnLst>
+      <p:par>
+        <p:cTn id="1" dur="indefinite" restart="never" nodeType="tmRoot"/>
+      </p:par>
+    </p:tnLst>
+  </p:timing>
 </p:sld>
 </file>
 
@@ -4932,115 +4868,174 @@
           <a:lstStyle/>
           <a:p>
             <a:r>
+              <a:rPr lang="en-US" smtClean="0"/>
+              <a:t>Numeric FEATURES - Distributions</a:t>
+            </a:r>
+            <a:endParaRPr lang="he-IL" dirty="0"/>
+          </a:p>
+        </p:txBody>
+      </p:sp>
+      <p:sp>
+        <p:nvSpPr>
+          <p:cNvPr id="3" name="Content Placeholder 2"/>
+          <p:cNvSpPr>
+            <a:spLocks noGrp="1"/>
+          </p:cNvSpPr>
+          <p:nvPr>
+            <p:ph idx="1"/>
+          </p:nvPr>
+        </p:nvSpPr>
+        <p:spPr/>
+        <p:txBody>
+          <a:bodyPr>
+            <a:normAutofit/>
+          </a:bodyPr>
+          <a:lstStyle/>
+          <a:p>
+            <a:pPr marL="457200" indent="-457200">
+              <a:buFont typeface="+mj-lt"/>
+              <a:buAutoNum type="arabicPeriod"/>
+            </a:pPr>
+            <a:r>
+              <a:rPr lang="en-US" b="1" dirty="0" smtClean="0">
+                <a:solidFill>
+                  <a:srgbClr val="99CB38"/>
+                </a:solidFill>
+              </a:rPr>
+              <a:t>Gaussian</a:t>
+            </a:r>
+          </a:p>
+          <a:p>
+            <a:pPr marL="173736" lvl="1" indent="0">
+              <a:buNone/>
+            </a:pPr>
+            <a:r>
               <a:rPr lang="en-US" dirty="0" smtClean="0"/>
-              <a:t>Issues</a:t>
-            </a:r>
+              <a:t>	Used </a:t>
+            </a:r>
+            <a:r>
+              <a:rPr lang="en-US" dirty="0"/>
+              <a:t>in </a:t>
+            </a:r>
+            <a:r>
+              <a:rPr lang="en-US" dirty="0" smtClean="0"/>
+              <a:t>classification. Assumes </a:t>
+            </a:r>
+            <a:r>
+              <a:rPr lang="en-US" dirty="0"/>
+              <a:t>that features follow a normal </a:t>
+            </a:r>
+            <a:r>
+              <a:rPr lang="en-US" dirty="0" smtClean="0"/>
+              <a:t>distribution</a:t>
+            </a:r>
+            <a:endParaRPr lang="en-US" dirty="0"/>
+          </a:p>
+          <a:p>
+            <a:pPr marL="457200" indent="-457200">
+              <a:buFont typeface="+mj-lt"/>
+              <a:buAutoNum type="arabicPeriod"/>
+            </a:pPr>
+            <a:r>
+              <a:rPr lang="en-US" b="1" dirty="0" smtClean="0">
+                <a:solidFill>
+                  <a:srgbClr val="99CB38"/>
+                </a:solidFill>
+              </a:rPr>
+              <a:t>Multinomial</a:t>
+            </a:r>
+          </a:p>
+          <a:p>
+            <a:pPr marL="173736" lvl="1" indent="0">
+              <a:buNone/>
+            </a:pPr>
+            <a:r>
+              <a:rPr lang="en-US" b="1" dirty="0"/>
+              <a:t>	</a:t>
+            </a:r>
+            <a:r>
+              <a:rPr lang="en-US" dirty="0" smtClean="0"/>
+              <a:t>Used </a:t>
+            </a:r>
+            <a:r>
+              <a:rPr lang="en-US" dirty="0"/>
+              <a:t>for discrete </a:t>
+            </a:r>
+            <a:r>
+              <a:rPr lang="en-US" dirty="0" smtClean="0"/>
+              <a:t>counts (e.g. word occurrences in document)</a:t>
+            </a:r>
+            <a:endParaRPr lang="en-US" dirty="0"/>
+          </a:p>
+          <a:p>
+            <a:pPr marL="457200" indent="-457200">
+              <a:buFont typeface="+mj-lt"/>
+              <a:buAutoNum type="arabicPeriod"/>
+            </a:pPr>
+            <a:r>
+              <a:rPr lang="en-US" b="1" dirty="0" smtClean="0">
+                <a:solidFill>
+                  <a:srgbClr val="99CB38"/>
+                </a:solidFill>
+              </a:rPr>
+              <a:t>Bernoulli</a:t>
+            </a:r>
+          </a:p>
+          <a:p>
+            <a:pPr marL="173736" lvl="1" indent="0">
+              <a:buNone/>
+            </a:pPr>
+            <a:r>
+              <a:rPr lang="en-US" b="1" dirty="0"/>
+              <a:t>	</a:t>
+            </a:r>
+            <a:r>
+              <a:rPr lang="en-US" dirty="0" smtClean="0"/>
+              <a:t>Treats feature as binary (e.g. word appears or not in document)</a:t>
+            </a:r>
+            <a:endParaRPr lang="en-US" dirty="0"/>
+          </a:p>
+          <a:p>
+            <a:pPr marL="457200" indent="-457200">
+              <a:buFont typeface="+mj-lt"/>
+              <a:buAutoNum type="arabicPeriod"/>
+            </a:pPr>
+            <a:r>
+              <a:rPr lang="en-US" b="1" dirty="0">
+                <a:solidFill>
+                  <a:srgbClr val="99CB38"/>
+                </a:solidFill>
+              </a:rPr>
+              <a:t>Exponential</a:t>
+            </a:r>
+          </a:p>
+          <a:p>
+            <a:pPr marL="457200" indent="-457200">
+              <a:buFont typeface="+mj-lt"/>
+              <a:buAutoNum type="arabicPeriod"/>
+            </a:pPr>
+            <a:r>
+              <a:rPr lang="en-US" b="1" dirty="0">
+                <a:solidFill>
+                  <a:srgbClr val="99CB38"/>
+                </a:solidFill>
+              </a:rPr>
+              <a:t>Your own</a:t>
+            </a:r>
+          </a:p>
+          <a:p>
+            <a:pPr marL="457200" indent="-457200">
+              <a:buFont typeface="+mj-lt"/>
+              <a:buAutoNum type="arabicPeriod"/>
+            </a:pPr>
             <a:endParaRPr lang="he-IL" dirty="0"/>
           </a:p>
         </p:txBody>
       </p:sp>
-      <p:sp>
-        <p:nvSpPr>
-          <p:cNvPr id="3" name="Content Placeholder 2"/>
-          <p:cNvSpPr>
-            <a:spLocks noGrp="1"/>
-          </p:cNvSpPr>
-          <p:nvPr>
-            <p:ph idx="1"/>
-          </p:nvPr>
-        </p:nvSpPr>
-        <p:spPr/>
-        <p:txBody>
-          <a:bodyPr/>
-          <a:lstStyle/>
-          <a:p>
-            <a:r>
-              <a:rPr lang="en-US" dirty="0" smtClean="0"/>
-              <a:t>Works better for categorical features. For numerical features, assumes a distribution (often Gaussian distribution)</a:t>
-            </a:r>
-          </a:p>
-          <a:p>
-            <a:r>
-              <a:rPr lang="en-US" dirty="0" smtClean="0"/>
-              <a:t>Instead </a:t>
-            </a:r>
-            <a:r>
-              <a:rPr lang="en-US" dirty="0"/>
-              <a:t>of multiplication of probabilities, use sum of logs to avoid </a:t>
-            </a:r>
-            <a:r>
-              <a:rPr lang="en-US" dirty="0" smtClean="0"/>
-              <a:t>underflow</a:t>
-            </a:r>
-          </a:p>
-          <a:p>
-            <a:r>
-              <a:rPr lang="en-US" dirty="0"/>
-              <a:t>Performance degrade with highly correlated features</a:t>
-            </a:r>
-            <a:endParaRPr lang="he-IL" dirty="0"/>
-          </a:p>
-          <a:p>
-            <a:r>
-              <a:rPr lang="en-US" dirty="0" smtClean="0"/>
-              <a:t>“Zero frequency” - how to handle values with 0 occurrences?</a:t>
-            </a:r>
-          </a:p>
-          <a:p>
-            <a:pPr lvl="1"/>
-            <a:r>
-              <a:rPr lang="en-US" dirty="0" smtClean="0"/>
-              <a:t>Often: Use Laplace correction</a:t>
-            </a:r>
-          </a:p>
-          <a:p>
-            <a:pPr marL="128016" lvl="1" indent="0">
-              <a:buNone/>
-            </a:pPr>
-            <a:endParaRPr lang="en-US" dirty="0"/>
-          </a:p>
-          <a:p>
-            <a:endParaRPr lang="en-US" dirty="0" smtClean="0"/>
-          </a:p>
-          <a:p>
-            <a:r>
-              <a:rPr lang="en-US" dirty="0" smtClean="0"/>
-              <a:t>Known to be a good classifier, bad estimator</a:t>
-            </a:r>
-          </a:p>
-          <a:p>
-            <a:endParaRPr lang="he-IL" dirty="0"/>
-          </a:p>
-        </p:txBody>
-      </p:sp>
-      <p:pic>
-        <p:nvPicPr>
-          <p:cNvPr id="4" name="Picture 3"/>
-          <p:cNvPicPr>
-            <a:picLocks noChangeAspect="1"/>
-          </p:cNvPicPr>
-          <p:nvPr/>
-        </p:nvPicPr>
-        <p:blipFill>
-          <a:blip r:embed="rId2"/>
-          <a:stretch>
-            <a:fillRect/>
-          </a:stretch>
-        </p:blipFill>
-        <p:spPr>
-          <a:xfrm>
-            <a:off x="3757612" y="4799239"/>
-            <a:ext cx="2543175" cy="590550"/>
-          </a:xfrm>
-          <a:prstGeom prst="rect">
-            <a:avLst/>
-          </a:prstGeom>
-        </p:spPr>
-      </p:pic>
     </p:spTree>
     <p:extLst>
       <p:ext uri="{BB962C8B-B14F-4D97-AF65-F5344CB8AC3E}">
-        <p14:creationId xmlns:p14="http://schemas.microsoft.com/office/powerpoint/2010/main" val="1604819831"/>
+        <p14:creationId xmlns:p14="http://schemas.microsoft.com/office/powerpoint/2010/main" val="1486134696"/>
       </p:ext>
     </p:extLst>
   </p:cSld>
@@ -5089,10 +5084,6 @@
           <a:bodyPr/>
           <a:lstStyle/>
           <a:p>
-            <a:r>
-              <a:rPr lang="en-US" dirty="0" smtClean="0"/>
-              <a:t>Distributions</a:t>
-            </a:r>
             <a:endParaRPr lang="he-IL" dirty="0"/>
           </a:p>
         </p:txBody>
@@ -5109,155 +5100,375 @@
         </p:nvSpPr>
         <p:spPr/>
         <p:txBody>
-          <a:bodyPr>
-            <a:normAutofit/>
-          </a:bodyPr>
-          <a:lstStyle/>
-          <a:p>
-            <a:pPr marL="457200" indent="-457200">
-              <a:buFont typeface="+mj-lt"/>
-              <a:buAutoNum type="arabicPeriod"/>
-            </a:pPr>
-            <a:r>
-              <a:rPr lang="en-US" b="1" dirty="0" smtClean="0">
-                <a:solidFill>
-                  <a:srgbClr val="99CB38"/>
-                </a:solidFill>
-              </a:rPr>
-              <a:t>Gaussian</a:t>
-            </a:r>
-          </a:p>
-          <a:p>
-            <a:pPr marL="173736" lvl="1" indent="0">
-              <a:buNone/>
-            </a:pPr>
-            <a:r>
-              <a:rPr lang="en-US" dirty="0" smtClean="0"/>
-              <a:t>	Used </a:t>
-            </a:r>
-            <a:r>
-              <a:rPr lang="en-US" dirty="0"/>
-              <a:t>in </a:t>
-            </a:r>
-            <a:r>
-              <a:rPr lang="en-US" dirty="0" smtClean="0"/>
-              <a:t>classification. Assumes </a:t>
-            </a:r>
-            <a:r>
-              <a:rPr lang="en-US" dirty="0"/>
-              <a:t>that features follow a normal </a:t>
-            </a:r>
-            <a:r>
-              <a:rPr lang="en-US" dirty="0" smtClean="0"/>
-              <a:t>distribution</a:t>
-            </a:r>
-            <a:endParaRPr lang="en-US" dirty="0"/>
-          </a:p>
-          <a:p>
-            <a:pPr marL="457200" indent="-457200">
-              <a:buFont typeface="+mj-lt"/>
-              <a:buAutoNum type="arabicPeriod"/>
-            </a:pPr>
-            <a:r>
-              <a:rPr lang="en-US" b="1" dirty="0" smtClean="0">
-                <a:solidFill>
-                  <a:srgbClr val="99CB38"/>
-                </a:solidFill>
-              </a:rPr>
-              <a:t>Multinomial</a:t>
-            </a:r>
-          </a:p>
-          <a:p>
-            <a:pPr marL="173736" lvl="1" indent="0">
-              <a:buNone/>
-            </a:pPr>
-            <a:r>
-              <a:rPr lang="en-US" b="1" dirty="0"/>
-              <a:t>	</a:t>
-            </a:r>
-            <a:r>
-              <a:rPr lang="en-US" dirty="0" smtClean="0"/>
-              <a:t>Used </a:t>
-            </a:r>
-            <a:r>
-              <a:rPr lang="en-US" dirty="0"/>
-              <a:t>for discrete </a:t>
-            </a:r>
-            <a:r>
-              <a:rPr lang="en-US" dirty="0" smtClean="0"/>
-              <a:t>counts (e.g. word occurrences in document)</a:t>
-            </a:r>
-            <a:endParaRPr lang="en-US" dirty="0"/>
-          </a:p>
-          <a:p>
-            <a:pPr marL="457200" indent="-457200">
-              <a:buFont typeface="+mj-lt"/>
-              <a:buAutoNum type="arabicPeriod"/>
-            </a:pPr>
-            <a:r>
-              <a:rPr lang="en-US" b="1" dirty="0" smtClean="0">
-                <a:solidFill>
-                  <a:srgbClr val="99CB38"/>
-                </a:solidFill>
-              </a:rPr>
-              <a:t>Bernoulli</a:t>
-            </a:r>
-          </a:p>
-          <a:p>
-            <a:pPr marL="173736" lvl="1" indent="0">
-              <a:buNone/>
-            </a:pPr>
-            <a:r>
-              <a:rPr lang="en-US" b="1" dirty="0"/>
-              <a:t>	</a:t>
-            </a:r>
-            <a:r>
-              <a:rPr lang="en-US" dirty="0" smtClean="0"/>
-              <a:t>Treats feature as binary (e.g. word appears or not in document)</a:t>
-            </a:r>
-            <a:endParaRPr lang="en-US" dirty="0"/>
-          </a:p>
-          <a:p>
-            <a:pPr marL="457200" indent="-457200">
-              <a:buFont typeface="+mj-lt"/>
-              <a:buAutoNum type="arabicPeriod"/>
-            </a:pPr>
-            <a:r>
-              <a:rPr lang="en-US" b="1" dirty="0">
-                <a:solidFill>
-                  <a:srgbClr val="99CB38"/>
-                </a:solidFill>
-              </a:rPr>
-              <a:t>Exponential</a:t>
-            </a:r>
-          </a:p>
-          <a:p>
-            <a:pPr marL="457200" indent="-457200">
-              <a:buFont typeface="+mj-lt"/>
-              <a:buAutoNum type="arabicPeriod"/>
-            </a:pPr>
-            <a:r>
-              <a:rPr lang="en-US" b="1" dirty="0">
-                <a:solidFill>
-                  <a:srgbClr val="99CB38"/>
-                </a:solidFill>
-              </a:rPr>
-              <a:t>Your own</a:t>
-            </a:r>
-          </a:p>
-          <a:p>
-            <a:pPr marL="457200" indent="-457200">
-              <a:buFont typeface="+mj-lt"/>
-              <a:buAutoNum type="arabicPeriod"/>
-            </a:pPr>
+          <a:bodyPr/>
+          <a:lstStyle/>
+          <a:p>
             <a:endParaRPr lang="he-IL" dirty="0"/>
           </a:p>
         </p:txBody>
       </p:sp>
+      <p:pic>
+        <p:nvPicPr>
+          <p:cNvPr id="5" name="Picture 4"/>
+          <p:cNvPicPr>
+            <a:picLocks noChangeAspect="1"/>
+          </p:cNvPicPr>
+          <p:nvPr/>
+        </p:nvPicPr>
+        <p:blipFill>
+          <a:blip r:embed="rId2"/>
+          <a:stretch>
+            <a:fillRect/>
+          </a:stretch>
+        </p:blipFill>
+        <p:spPr>
+          <a:xfrm>
+            <a:off x="998065" y="576004"/>
+            <a:ext cx="8127125" cy="499034"/>
+          </a:xfrm>
+          <a:prstGeom prst="rect">
+            <a:avLst/>
+          </a:prstGeom>
+        </p:spPr>
+      </p:pic>
+      <p:pic>
+        <p:nvPicPr>
+          <p:cNvPr id="7" name="Picture 6"/>
+          <p:cNvPicPr>
+            <a:picLocks noChangeAspect="1"/>
+          </p:cNvPicPr>
+          <p:nvPr/>
+        </p:nvPicPr>
+        <p:blipFill>
+          <a:blip r:embed="rId3"/>
+          <a:stretch>
+            <a:fillRect/>
+          </a:stretch>
+        </p:blipFill>
+        <p:spPr>
+          <a:xfrm>
+            <a:off x="1014541" y="1316469"/>
+            <a:ext cx="7659902" cy="2499968"/>
+          </a:xfrm>
+          <a:prstGeom prst="rect">
+            <a:avLst/>
+          </a:prstGeom>
+        </p:spPr>
+      </p:pic>
+      <p:pic>
+        <p:nvPicPr>
+          <p:cNvPr id="8" name="Picture 7"/>
+          <p:cNvPicPr>
+            <a:picLocks noChangeAspect="1"/>
+          </p:cNvPicPr>
+          <p:nvPr/>
+        </p:nvPicPr>
+        <p:blipFill>
+          <a:blip r:embed="rId4"/>
+          <a:stretch>
+            <a:fillRect/>
+          </a:stretch>
+        </p:blipFill>
+        <p:spPr>
+          <a:xfrm>
+            <a:off x="1023036" y="4082222"/>
+            <a:ext cx="7898542" cy="2291805"/>
+          </a:xfrm>
+          <a:prstGeom prst="rect">
+            <a:avLst/>
+          </a:prstGeom>
+        </p:spPr>
+      </p:pic>
     </p:spTree>
     <p:extLst>
       <p:ext uri="{BB962C8B-B14F-4D97-AF65-F5344CB8AC3E}">
-        <p14:creationId xmlns:p14="http://schemas.microsoft.com/office/powerpoint/2010/main" val="1486134696"/>
+        <p14:creationId xmlns:p14="http://schemas.microsoft.com/office/powerpoint/2010/main" val="2583974716"/>
+      </p:ext>
+    </p:extLst>
+  </p:cSld>
+  <p:clrMapOvr>
+    <a:masterClrMapping/>
+  </p:clrMapOvr>
+</p:sld>
+</file>
+
+<file path=ppt/slides/slide7.xml><?xml version="1.0" encoding="utf-8"?>
+<p:sld xmlns:a="http://schemas.openxmlformats.org/drawingml/2006/main" xmlns:r="http://schemas.openxmlformats.org/officeDocument/2006/relationships" xmlns:p="http://schemas.openxmlformats.org/presentationml/2006/main">
+  <p:cSld>
+    <p:spTree>
+      <p:nvGrpSpPr>
+        <p:cNvPr id="1" name=""/>
+        <p:cNvGrpSpPr/>
+        <p:nvPr/>
+      </p:nvGrpSpPr>
+      <p:grpSpPr>
+        <a:xfrm>
+          <a:off x="0" y="0"/>
+          <a:ext cx="0" cy="0"/>
+          <a:chOff x="0" y="0"/>
+          <a:chExt cx="0" cy="0"/>
+        </a:xfrm>
+      </p:grpSpPr>
+      <p:sp>
+        <p:nvSpPr>
+          <p:cNvPr id="2" name="Title 1"/>
+          <p:cNvSpPr>
+            <a:spLocks noGrp="1"/>
+          </p:cNvSpPr>
+          <p:nvPr>
+            <p:ph type="title"/>
+          </p:nvPr>
+        </p:nvSpPr>
+        <p:spPr/>
+        <p:txBody>
+          <a:bodyPr/>
+          <a:lstStyle/>
+          <a:p>
+            <a:r>
+              <a:rPr lang="en-US" dirty="0" smtClean="0"/>
+              <a:t>Properties</a:t>
+            </a:r>
+            <a:endParaRPr lang="he-IL" dirty="0"/>
+          </a:p>
+        </p:txBody>
+      </p:sp>
+      <p:sp>
+        <p:nvSpPr>
+          <p:cNvPr id="3" name="Content Placeholder 2"/>
+          <p:cNvSpPr>
+            <a:spLocks noGrp="1"/>
+          </p:cNvSpPr>
+          <p:nvPr>
+            <p:ph idx="1"/>
+          </p:nvPr>
+        </p:nvSpPr>
+        <p:spPr/>
+        <p:txBody>
+          <a:bodyPr>
+            <a:normAutofit fontScale="92500" lnSpcReduction="20000"/>
+          </a:bodyPr>
+          <a:lstStyle/>
+          <a:p>
+            <a:r>
+              <a:rPr lang="en-US" dirty="0" smtClean="0"/>
+              <a:t>Very fast</a:t>
+            </a:r>
+          </a:p>
+          <a:p>
+            <a:r>
+              <a:rPr lang="en-US" dirty="0" smtClean="0"/>
+              <a:t>Good for big data with big velocity</a:t>
+            </a:r>
+          </a:p>
+          <a:p>
+            <a:r>
+              <a:rPr lang="en-US" dirty="0" smtClean="0"/>
+              <a:t>Small dataset leads to instability (probabilities can be 0 or 1 with high variance)</a:t>
+            </a:r>
+          </a:p>
+          <a:p>
+            <a:r>
+              <a:rPr lang="en-US" dirty="0" smtClean="0"/>
+              <a:t>Ignores interactions and therefore needs less data</a:t>
+            </a:r>
+          </a:p>
+          <a:p>
+            <a:r>
+              <a:rPr lang="en-US" dirty="0" smtClean="0"/>
+              <a:t>Works well with multiclass problems</a:t>
+            </a:r>
+          </a:p>
+          <a:p>
+            <a:r>
+              <a:rPr lang="en-US" dirty="0" smtClean="0"/>
+              <a:t>Works </a:t>
+            </a:r>
+            <a:r>
+              <a:rPr lang="en-US" dirty="0"/>
+              <a:t>well with missing data</a:t>
+            </a:r>
+          </a:p>
+          <a:p>
+            <a:r>
+              <a:rPr lang="en-US" dirty="0" smtClean="0"/>
+              <a:t>Continuous features require binning or assumption of a distribution</a:t>
+            </a:r>
+          </a:p>
+          <a:p>
+            <a:r>
+              <a:rPr lang="en-US" dirty="0" smtClean="0"/>
+              <a:t>Doesn’t perform well for imbalanced datasets</a:t>
+            </a:r>
+          </a:p>
+          <a:p>
+            <a:r>
+              <a:rPr lang="en-US" dirty="0" smtClean="0"/>
+              <a:t>Can be used for segments of the data (with other models for the rest)</a:t>
+            </a:r>
+          </a:p>
+          <a:p>
+            <a:r>
+              <a:rPr lang="en-US" dirty="0" smtClean="0"/>
+              <a:t>Can be used as a generative model (e.g. generate text)</a:t>
+            </a:r>
+          </a:p>
+        </p:txBody>
+      </p:sp>
+    </p:spTree>
+    <p:extLst>
+      <p:ext uri="{BB962C8B-B14F-4D97-AF65-F5344CB8AC3E}">
+        <p14:creationId xmlns:p14="http://schemas.microsoft.com/office/powerpoint/2010/main" val="305565568"/>
+      </p:ext>
+    </p:extLst>
+  </p:cSld>
+  <p:clrMapOvr>
+    <a:masterClrMapping/>
+  </p:clrMapOvr>
+</p:sld>
+</file>
+
+<file path=ppt/slides/slide8.xml><?xml version="1.0" encoding="utf-8"?>
+<p:sld xmlns:a="http://schemas.openxmlformats.org/drawingml/2006/main" xmlns:r="http://schemas.openxmlformats.org/officeDocument/2006/relationships" xmlns:p="http://schemas.openxmlformats.org/presentationml/2006/main">
+  <p:cSld>
+    <p:spTree>
+      <p:nvGrpSpPr>
+        <p:cNvPr id="1" name=""/>
+        <p:cNvGrpSpPr/>
+        <p:nvPr/>
+      </p:nvGrpSpPr>
+      <p:grpSpPr>
+        <a:xfrm>
+          <a:off x="0" y="0"/>
+          <a:ext cx="0" cy="0"/>
+          <a:chOff x="0" y="0"/>
+          <a:chExt cx="0" cy="0"/>
+        </a:xfrm>
+      </p:grpSpPr>
+      <p:sp>
+        <p:nvSpPr>
+          <p:cNvPr id="2" name="Title 1"/>
+          <p:cNvSpPr>
+            <a:spLocks noGrp="1"/>
+          </p:cNvSpPr>
+          <p:nvPr>
+            <p:ph type="title"/>
+          </p:nvPr>
+        </p:nvSpPr>
+        <p:spPr/>
+        <p:txBody>
+          <a:bodyPr/>
+          <a:lstStyle/>
+          <a:p>
+            <a:r>
+              <a:rPr lang="en-US" dirty="0" smtClean="0"/>
+              <a:t>Issues</a:t>
+            </a:r>
+            <a:endParaRPr lang="he-IL" dirty="0"/>
+          </a:p>
+        </p:txBody>
+      </p:sp>
+      <p:sp>
+        <p:nvSpPr>
+          <p:cNvPr id="3" name="Content Placeholder 2"/>
+          <p:cNvSpPr>
+            <a:spLocks noGrp="1"/>
+          </p:cNvSpPr>
+          <p:nvPr>
+            <p:ph idx="1"/>
+          </p:nvPr>
+        </p:nvSpPr>
+        <p:spPr/>
+        <p:txBody>
+          <a:bodyPr/>
+          <a:lstStyle/>
+          <a:p>
+            <a:r>
+              <a:rPr lang="en-US" dirty="0" smtClean="0"/>
+              <a:t>Works better for categorical features. For numerical features, assumes a distribution (often Gaussian distribution)</a:t>
+            </a:r>
+          </a:p>
+          <a:p>
+            <a:r>
+              <a:rPr lang="en-US" dirty="0" smtClean="0"/>
+              <a:t>Instead </a:t>
+            </a:r>
+            <a:r>
+              <a:rPr lang="en-US" dirty="0"/>
+              <a:t>of multiplication of probabilities, use sum of logs to avoid </a:t>
+            </a:r>
+            <a:r>
+              <a:rPr lang="en-US" dirty="0" smtClean="0"/>
+              <a:t>underflow</a:t>
+            </a:r>
+          </a:p>
+          <a:p>
+            <a:r>
+              <a:rPr lang="en-US" dirty="0"/>
+              <a:t>Performance degrade with highly correlated features</a:t>
+            </a:r>
+            <a:endParaRPr lang="he-IL" dirty="0"/>
+          </a:p>
+          <a:p>
+            <a:r>
+              <a:rPr lang="en-US" dirty="0" smtClean="0"/>
+              <a:t>“Zero frequency” - how to handle values with 0 occurrences?</a:t>
+            </a:r>
+          </a:p>
+          <a:p>
+            <a:pPr lvl="1"/>
+            <a:r>
+              <a:rPr lang="en-US" dirty="0" smtClean="0"/>
+              <a:t>Often: Use Laplace correction</a:t>
+            </a:r>
+          </a:p>
+          <a:p>
+            <a:pPr marL="128016" lvl="1" indent="0">
+              <a:buNone/>
+            </a:pPr>
+            <a:endParaRPr lang="en-US" dirty="0"/>
+          </a:p>
+          <a:p>
+            <a:endParaRPr lang="en-US" dirty="0" smtClean="0"/>
+          </a:p>
+          <a:p>
+            <a:r>
+              <a:rPr lang="en-US" dirty="0" smtClean="0"/>
+              <a:t>Known to be a good classifier, bad estimator</a:t>
+            </a:r>
+          </a:p>
+          <a:p>
+            <a:endParaRPr lang="he-IL" dirty="0"/>
+          </a:p>
+        </p:txBody>
+      </p:sp>
+      <p:pic>
+        <p:nvPicPr>
+          <p:cNvPr id="4" name="Picture 3"/>
+          <p:cNvPicPr>
+            <a:picLocks noChangeAspect="1"/>
+          </p:cNvPicPr>
+          <p:nvPr/>
+        </p:nvPicPr>
+        <p:blipFill>
+          <a:blip r:embed="rId2"/>
+          <a:stretch>
+            <a:fillRect/>
+          </a:stretch>
+        </p:blipFill>
+        <p:spPr>
+          <a:xfrm>
+            <a:off x="3757612" y="4799239"/>
+            <a:ext cx="2543175" cy="590550"/>
+          </a:xfrm>
+          <a:prstGeom prst="rect">
+            <a:avLst/>
+          </a:prstGeom>
+        </p:spPr>
+      </p:pic>
+    </p:spTree>
+    <p:extLst>
+      <p:ext uri="{BB962C8B-B14F-4D97-AF65-F5344CB8AC3E}">
+        <p14:creationId xmlns:p14="http://schemas.microsoft.com/office/powerpoint/2010/main" val="1302509599"/>
       </p:ext>
     </p:extLst>
   </p:cSld>
@@ -5274,7 +5485,7 @@
 </p:sld>
 </file>
 
-<file path=ppt/slides/slide7.xml><?xml version="1.0" encoding="utf-8"?>
+<file path=ppt/slides/slide9.xml><?xml version="1.0" encoding="utf-8"?>
 <p:sld xmlns:a="http://schemas.openxmlformats.org/drawingml/2006/main" xmlns:r="http://schemas.openxmlformats.org/officeDocument/2006/relationships" xmlns:p="http://schemas.openxmlformats.org/presentationml/2006/main">
   <p:cSld>
     <p:spTree>

--- a/Applied Data Science - Naive Bayes.pptx
+++ b/Applied Data Science - Naive Bayes.pptx
@@ -5,18 +5,23 @@
     <p:sldMasterId id="2147483833" r:id="rId1"/>
   </p:sldMasterIdLst>
   <p:notesMasterIdLst>
-    <p:notesMasterId r:id="rId11"/>
+    <p:notesMasterId r:id="rId16"/>
   </p:notesMasterIdLst>
   <p:sldIdLst>
     <p:sldId id="256" r:id="rId2"/>
     <p:sldId id="266" r:id="rId3"/>
     <p:sldId id="265" r:id="rId4"/>
-    <p:sldId id="268" r:id="rId5"/>
-    <p:sldId id="263" r:id="rId6"/>
-    <p:sldId id="269" r:id="rId7"/>
-    <p:sldId id="270" r:id="rId8"/>
-    <p:sldId id="271" r:id="rId9"/>
-    <p:sldId id="267" r:id="rId10"/>
+    <p:sldId id="272" r:id="rId5"/>
+    <p:sldId id="274" r:id="rId6"/>
+    <p:sldId id="275" r:id="rId7"/>
+    <p:sldId id="276" r:id="rId8"/>
+    <p:sldId id="277" r:id="rId9"/>
+    <p:sldId id="268" r:id="rId10"/>
+    <p:sldId id="263" r:id="rId11"/>
+    <p:sldId id="269" r:id="rId12"/>
+    <p:sldId id="270" r:id="rId13"/>
+    <p:sldId id="271" r:id="rId14"/>
+    <p:sldId id="267" r:id="rId15"/>
   </p:sldIdLst>
   <p:sldSz cx="12192000" cy="6858000"/>
   <p:notesSz cx="6858000" cy="9144000"/>
@@ -205,7 +210,7 @@
           <a:p>
             <a:fld id="{F1D2C95C-E6C5-47EE-A945-EBB416EE6C3F}" type="datetimeFigureOut">
               <a:rPr lang="en-US" smtClean="0"/>
-              <a:t>5/16/2017</a:t>
+              <a:t>5/17/2017</a:t>
             </a:fld>
             <a:endParaRPr lang="en-US"/>
           </a:p>
@@ -625,7 +630,7 @@
           <a:p>
             <a:fld id="{BF4D7DE9-04F8-4F0B-A692-02FE1DAE9F6D}" type="datetimeFigureOut">
               <a:rPr lang="en-US" smtClean="0"/>
-              <a:t>5/16/2017</a:t>
+              <a:t>5/17/2017</a:t>
             </a:fld>
             <a:endParaRPr lang="en-US"/>
           </a:p>
@@ -1010,7 +1015,7 @@
           <a:p>
             <a:fld id="{BF4D7DE9-04F8-4F0B-A692-02FE1DAE9F6D}" type="datetimeFigureOut">
               <a:rPr lang="en-US" smtClean="0"/>
-              <a:t>5/16/2017</a:t>
+              <a:t>5/17/2017</a:t>
             </a:fld>
             <a:endParaRPr lang="en-US"/>
           </a:p>
@@ -1295,7 +1300,7 @@
           <a:p>
             <a:fld id="{BF4D7DE9-04F8-4F0B-A692-02FE1DAE9F6D}" type="datetimeFigureOut">
               <a:rPr lang="en-US" smtClean="0"/>
-              <a:t>5/16/2017</a:t>
+              <a:t>5/17/2017</a:t>
             </a:fld>
             <a:endParaRPr lang="en-US"/>
           </a:p>
@@ -1500,7 +1505,7 @@
           <a:p>
             <a:fld id="{BF4D7DE9-04F8-4F0B-A692-02FE1DAE9F6D}" type="datetimeFigureOut">
               <a:rPr lang="en-US" smtClean="0"/>
-              <a:t>5/16/2017</a:t>
+              <a:t>5/17/2017</a:t>
             </a:fld>
             <a:endParaRPr lang="en-US"/>
           </a:p>
@@ -1680,7 +1685,7 @@
           <a:p>
             <a:fld id="{BF4D7DE9-04F8-4F0B-A692-02FE1DAE9F6D}" type="datetimeFigureOut">
               <a:rPr lang="en-US" smtClean="0"/>
-              <a:t>5/16/2017</a:t>
+              <a:t>5/17/2017</a:t>
             </a:fld>
             <a:endParaRPr lang="en-US"/>
           </a:p>
@@ -1911,7 +1916,7 @@
           <a:p>
             <a:fld id="{BF4D7DE9-04F8-4F0B-A692-02FE1DAE9F6D}" type="datetimeFigureOut">
               <a:rPr lang="en-US" smtClean="0"/>
-              <a:t>5/16/2017</a:t>
+              <a:t>5/17/2017</a:t>
             </a:fld>
             <a:endParaRPr lang="en-US"/>
           </a:p>
@@ -2119,7 +2124,7 @@
           <a:p>
             <a:fld id="{BF4D7DE9-04F8-4F0B-A692-02FE1DAE9F6D}" type="datetimeFigureOut">
               <a:rPr lang="en-US" smtClean="0"/>
-              <a:t>5/16/2017</a:t>
+              <a:t>5/17/2017</a:t>
             </a:fld>
             <a:endParaRPr lang="en-US"/>
           </a:p>
@@ -2466,7 +2471,7 @@
           <a:p>
             <a:fld id="{BF4D7DE9-04F8-4F0B-A692-02FE1DAE9F6D}" type="datetimeFigureOut">
               <a:rPr lang="en-US" smtClean="0"/>
-              <a:t>5/16/2017</a:t>
+              <a:t>5/17/2017</a:t>
             </a:fld>
             <a:endParaRPr lang="en-US"/>
           </a:p>
@@ -2845,7 +2850,7 @@
           <a:p>
             <a:fld id="{BF4D7DE9-04F8-4F0B-A692-02FE1DAE9F6D}" type="datetimeFigureOut">
               <a:rPr lang="en-US" smtClean="0"/>
-              <a:t>5/16/2017</a:t>
+              <a:t>5/17/2017</a:t>
             </a:fld>
             <a:endParaRPr lang="en-US"/>
           </a:p>
@@ -3302,7 +3307,7 @@
           <a:p>
             <a:fld id="{BF4D7DE9-04F8-4F0B-A692-02FE1DAE9F6D}" type="datetimeFigureOut">
               <a:rPr lang="en-US" smtClean="0"/>
-              <a:t>5/16/2017</a:t>
+              <a:t>5/17/2017</a:t>
             </a:fld>
             <a:endParaRPr lang="en-US"/>
           </a:p>
@@ -3427,7 +3432,7 @@
           <a:p>
             <a:fld id="{BF4D7DE9-04F8-4F0B-A692-02FE1DAE9F6D}" type="datetimeFigureOut">
               <a:rPr lang="en-US" smtClean="0"/>
-              <a:t>5/16/2017</a:t>
+              <a:t>5/17/2017</a:t>
             </a:fld>
             <a:endParaRPr lang="en-US"/>
           </a:p>
@@ -3529,7 +3534,7 @@
           <a:p>
             <a:fld id="{BF4D7DE9-04F8-4F0B-A692-02FE1DAE9F6D}" type="datetimeFigureOut">
               <a:rPr lang="en-US" smtClean="0"/>
-              <a:t>5/16/2017</a:t>
+              <a:t>5/17/2017</a:t>
             </a:fld>
             <a:endParaRPr lang="en-US"/>
           </a:p>
@@ -3629,7 +3634,7 @@
           <a:p>
             <a:fld id="{BF4D7DE9-04F8-4F0B-A692-02FE1DAE9F6D}" type="datetimeFigureOut">
               <a:rPr lang="en-US" smtClean="0"/>
-              <a:t>5/16/2017</a:t>
+              <a:t>5/17/2017</a:t>
             </a:fld>
             <a:endParaRPr lang="en-US"/>
           </a:p>
@@ -3932,7 +3937,7 @@
           <a:p>
             <a:fld id="{BF4D7DE9-04F8-4F0B-A692-02FE1DAE9F6D}" type="datetimeFigureOut">
               <a:rPr lang="en-US" smtClean="0"/>
-              <a:t>5/16/2017</a:t>
+              <a:t>5/17/2017</a:t>
             </a:fld>
             <a:endParaRPr lang="en-US"/>
           </a:p>
@@ -4559,283 +4564,7 @@
 </p:sld>
 </file>
 
-<file path=ppt/slides/slide2.xml><?xml version="1.0" encoding="utf-8"?>
-<p:sld xmlns:a="http://schemas.openxmlformats.org/drawingml/2006/main" xmlns:r="http://schemas.openxmlformats.org/officeDocument/2006/relationships" xmlns:p="http://schemas.openxmlformats.org/presentationml/2006/main">
-  <p:cSld>
-    <p:spTree>
-      <p:nvGrpSpPr>
-        <p:cNvPr id="1" name=""/>
-        <p:cNvGrpSpPr/>
-        <p:nvPr/>
-      </p:nvGrpSpPr>
-      <p:grpSpPr>
-        <a:xfrm>
-          <a:off x="0" y="0"/>
-          <a:ext cx="0" cy="0"/>
-          <a:chOff x="0" y="0"/>
-          <a:chExt cx="0" cy="0"/>
-        </a:xfrm>
-      </p:grpSpPr>
-      <p:sp>
-        <p:nvSpPr>
-          <p:cNvPr id="2" name="Title 1"/>
-          <p:cNvSpPr>
-            <a:spLocks noGrp="1"/>
-          </p:cNvSpPr>
-          <p:nvPr>
-            <p:ph type="title"/>
-          </p:nvPr>
-        </p:nvSpPr>
-        <p:spPr/>
-        <p:txBody>
-          <a:bodyPr/>
-          <a:lstStyle/>
-          <a:p>
-            <a:r>
-              <a:rPr lang="en-US" dirty="0" smtClean="0"/>
-              <a:t>Prerequisites</a:t>
-            </a:r>
-            <a:endParaRPr lang="he-IL" dirty="0"/>
-          </a:p>
-        </p:txBody>
-      </p:sp>
-      <p:sp>
-        <p:nvSpPr>
-          <p:cNvPr id="3" name="Content Placeholder 2"/>
-          <p:cNvSpPr>
-            <a:spLocks noGrp="1"/>
-          </p:cNvSpPr>
-          <p:nvPr>
-            <p:ph idx="1"/>
-          </p:nvPr>
-        </p:nvSpPr>
-        <p:spPr/>
-        <p:txBody>
-          <a:bodyPr/>
-          <a:lstStyle/>
-          <a:p>
-            <a:r>
-              <a:rPr lang="en-US" dirty="0" smtClean="0"/>
-              <a:t>Read </a:t>
-            </a:r>
-            <a:r>
-              <a:rPr lang="en-US" dirty="0" smtClean="0">
-                <a:hlinkClick r:id="rId2"/>
-              </a:rPr>
-              <a:t>https</a:t>
-            </a:r>
-            <a:r>
-              <a:rPr lang="en-US" dirty="0">
-                <a:hlinkClick r:id="rId2"/>
-              </a:rPr>
-              <a:t>://www.analyticsvidhya.com/blog/2015/09/naive-bayes-explained</a:t>
-            </a:r>
-            <a:r>
-              <a:rPr lang="en-US" dirty="0" smtClean="0">
-                <a:hlinkClick r:id="rId2"/>
-              </a:rPr>
-              <a:t>/</a:t>
-            </a:r>
-            <a:endParaRPr lang="en-US" dirty="0" smtClean="0"/>
-          </a:p>
-          <a:p>
-            <a:r>
-              <a:rPr lang="en-US" dirty="0"/>
-              <a:t>or </a:t>
-            </a:r>
-            <a:r>
-              <a:rPr lang="en-US" dirty="0">
-                <a:hlinkClick r:id="rId3"/>
-              </a:rPr>
-              <a:t>http://</a:t>
-            </a:r>
-            <a:r>
-              <a:rPr lang="en-US" dirty="0" smtClean="0">
-                <a:hlinkClick r:id="rId3"/>
-              </a:rPr>
-              <a:t>guidetodatamining.com/assets/guideChapters/DataMining-ch6.pdf</a:t>
-            </a:r>
-            <a:r>
-              <a:rPr lang="en-US" dirty="0" smtClean="0"/>
-              <a:t> (longer)</a:t>
-            </a:r>
-            <a:endParaRPr lang="he-IL" dirty="0"/>
-          </a:p>
-        </p:txBody>
-      </p:sp>
-    </p:spTree>
-    <p:extLst>
-      <p:ext uri="{BB962C8B-B14F-4D97-AF65-F5344CB8AC3E}">
-        <p14:creationId xmlns:p14="http://schemas.microsoft.com/office/powerpoint/2010/main" val="3858006864"/>
-      </p:ext>
-    </p:extLst>
-  </p:cSld>
-  <p:clrMapOvr>
-    <a:masterClrMapping/>
-  </p:clrMapOvr>
-</p:sld>
-</file>
-
-<file path=ppt/slides/slide3.xml><?xml version="1.0" encoding="utf-8"?>
-<p:sld xmlns:a="http://schemas.openxmlformats.org/drawingml/2006/main" xmlns:r="http://schemas.openxmlformats.org/officeDocument/2006/relationships" xmlns:p="http://schemas.openxmlformats.org/presentationml/2006/main">
-  <p:cSld>
-    <p:spTree>
-      <p:nvGrpSpPr>
-        <p:cNvPr id="1" name=""/>
-        <p:cNvGrpSpPr/>
-        <p:nvPr/>
-      </p:nvGrpSpPr>
-      <p:grpSpPr>
-        <a:xfrm>
-          <a:off x="0" y="0"/>
-          <a:ext cx="0" cy="0"/>
-          <a:chOff x="0" y="0"/>
-          <a:chExt cx="0" cy="0"/>
-        </a:xfrm>
-      </p:grpSpPr>
-      <p:sp>
-        <p:nvSpPr>
-          <p:cNvPr id="2" name="Title 1"/>
-          <p:cNvSpPr>
-            <a:spLocks noGrp="1"/>
-          </p:cNvSpPr>
-          <p:nvPr>
-            <p:ph type="title"/>
-          </p:nvPr>
-        </p:nvSpPr>
-        <p:spPr/>
-        <p:txBody>
-          <a:bodyPr/>
-          <a:lstStyle/>
-          <a:p>
-            <a:r>
-              <a:rPr lang="en-US" dirty="0" smtClean="0"/>
-              <a:t>Bayes Formula</a:t>
-            </a:r>
-            <a:endParaRPr lang="he-IL" dirty="0"/>
-          </a:p>
-        </p:txBody>
-      </p:sp>
-      <p:pic>
-        <p:nvPicPr>
-          <p:cNvPr id="1026" name="Picture 2" descr="Bayes_rule-300x172"/>
-          <p:cNvPicPr>
-            <a:picLocks noGrp="1" noChangeAspect="1" noChangeArrowheads="1"/>
-          </p:cNvPicPr>
-          <p:nvPr>
-            <p:ph idx="1"/>
-          </p:nvPr>
-        </p:nvPicPr>
-        <p:blipFill>
-          <a:blip r:embed="rId2">
-            <a:extLst>
-              <a:ext uri="{28A0092B-C50C-407E-A947-70E740481C1C}">
-                <a14:useLocalDpi xmlns:a14="http://schemas.microsoft.com/office/drawing/2010/main" val="0"/>
-              </a:ext>
-            </a:extLst>
-          </a:blip>
-          <a:srcRect/>
-          <a:stretch>
-            <a:fillRect/>
-          </a:stretch>
-        </p:blipFill>
-        <p:spPr bwMode="auto">
-          <a:xfrm>
-            <a:off x="3040414" y="2667000"/>
-            <a:ext cx="5687310" cy="3260724"/>
-          </a:xfrm>
-          <a:prstGeom prst="rect">
-            <a:avLst/>
-          </a:prstGeom>
-          <a:noFill/>
-          <a:extLst>
-            <a:ext uri="{909E8E84-426E-40DD-AFC4-6F175D3DCCD1}">
-              <a14:hiddenFill xmlns:a14="http://schemas.microsoft.com/office/drawing/2010/main">
-                <a:solidFill>
-                  <a:srgbClr val="FFFFFF"/>
-                </a:solidFill>
-              </a14:hiddenFill>
-            </a:ext>
-          </a:extLst>
-        </p:spPr>
-      </p:pic>
-    </p:spTree>
-    <p:extLst>
-      <p:ext uri="{BB962C8B-B14F-4D97-AF65-F5344CB8AC3E}">
-        <p14:creationId xmlns:p14="http://schemas.microsoft.com/office/powerpoint/2010/main" val="656912582"/>
-      </p:ext>
-    </p:extLst>
-  </p:cSld>
-  <p:clrMapOvr>
-    <a:masterClrMapping/>
-  </p:clrMapOvr>
-</p:sld>
-</file>
-
-<file path=ppt/slides/slide4.xml><?xml version="1.0" encoding="utf-8"?>
-<p:sld xmlns:a="http://schemas.openxmlformats.org/drawingml/2006/main" xmlns:r="http://schemas.openxmlformats.org/officeDocument/2006/relationships" xmlns:p="http://schemas.openxmlformats.org/presentationml/2006/main">
-  <p:cSld>
-    <p:spTree>
-      <p:nvGrpSpPr>
-        <p:cNvPr id="1" name=""/>
-        <p:cNvGrpSpPr/>
-        <p:nvPr/>
-      </p:nvGrpSpPr>
-      <p:grpSpPr>
-        <a:xfrm>
-          <a:off x="0" y="0"/>
-          <a:ext cx="0" cy="0"/>
-          <a:chOff x="0" y="0"/>
-          <a:chExt cx="0" cy="0"/>
-        </a:xfrm>
-      </p:grpSpPr>
-      <p:pic>
-        <p:nvPicPr>
-          <p:cNvPr id="3" name="Content Placeholder 2"/>
-          <p:cNvPicPr>
-            <a:picLocks noGrp="1" noChangeAspect="1"/>
-          </p:cNvPicPr>
-          <p:nvPr>
-            <p:ph idx="1"/>
-          </p:nvPr>
-        </p:nvPicPr>
-        <p:blipFill>
-          <a:blip r:embed="rId2"/>
-          <a:stretch>
-            <a:fillRect/>
-          </a:stretch>
-        </p:blipFill>
-        <p:spPr>
-          <a:xfrm>
-            <a:off x="1391591" y="642551"/>
-            <a:ext cx="9346906" cy="5693548"/>
-          </a:xfrm>
-          <a:prstGeom prst="rect">
-            <a:avLst/>
-          </a:prstGeom>
-        </p:spPr>
-      </p:pic>
-    </p:spTree>
-    <p:extLst>
-      <p:ext uri="{BB962C8B-B14F-4D97-AF65-F5344CB8AC3E}">
-        <p14:creationId xmlns:p14="http://schemas.microsoft.com/office/powerpoint/2010/main" val="3998766602"/>
-      </p:ext>
-    </p:extLst>
-  </p:cSld>
-  <p:clrMapOvr>
-    <a:masterClrMapping/>
-  </p:clrMapOvr>
-  <p:timing>
-    <p:tnLst>
-      <p:par>
-        <p:cTn id="1" dur="indefinite" restart="never" nodeType="tmRoot"/>
-      </p:par>
-    </p:tnLst>
-  </p:timing>
-</p:sld>
-</file>
-
-<file path=ppt/slides/slide5.xml><?xml version="1.0" encoding="utf-8"?>
+<file path=ppt/slides/slide10.xml><?xml version="1.0" encoding="utf-8"?>
 <p:sld xmlns:a="http://schemas.openxmlformats.org/drawingml/2006/main" xmlns:r="http://schemas.openxmlformats.org/officeDocument/2006/relationships" xmlns:p="http://schemas.openxmlformats.org/presentationml/2006/main">
   <p:cSld>
     <p:spTree>
@@ -5052,7 +4781,7 @@
 </p:sld>
 </file>
 
-<file path=ppt/slides/slide6.xml><?xml version="1.0" encoding="utf-8"?>
+<file path=ppt/slides/slide11.xml><?xml version="1.0" encoding="utf-8"?>
 <p:sld xmlns:a="http://schemas.openxmlformats.org/drawingml/2006/main" xmlns:r="http://schemas.openxmlformats.org/officeDocument/2006/relationships" xmlns:p="http://schemas.openxmlformats.org/presentationml/2006/main">
   <p:cSld>
     <p:spTree>
@@ -5192,7 +4921,7 @@
 </p:sld>
 </file>
 
-<file path=ppt/slides/slide7.xml><?xml version="1.0" encoding="utf-8"?>
+<file path=ppt/slides/slide12.xml><?xml version="1.0" encoding="utf-8"?>
 <p:sld xmlns:a="http://schemas.openxmlformats.org/drawingml/2006/main" xmlns:r="http://schemas.openxmlformats.org/officeDocument/2006/relationships" xmlns:p="http://schemas.openxmlformats.org/presentationml/2006/main">
   <p:cSld>
     <p:spTree>
@@ -5249,36 +4978,60 @@
           </a:bodyPr>
           <a:lstStyle/>
           <a:p>
+            <a:pPr marL="457200" indent="-457200">
+              <a:buFont typeface="+mj-lt"/>
+              <a:buAutoNum type="arabicPeriod"/>
+            </a:pPr>
             <a:r>
               <a:rPr lang="en-US" dirty="0" smtClean="0"/>
               <a:t>Very fast</a:t>
             </a:r>
           </a:p>
           <a:p>
+            <a:pPr marL="457200" indent="-457200">
+              <a:buFont typeface="+mj-lt"/>
+              <a:buAutoNum type="arabicPeriod"/>
+            </a:pPr>
             <a:r>
               <a:rPr lang="en-US" dirty="0" smtClean="0"/>
               <a:t>Good for big data with big velocity</a:t>
             </a:r>
           </a:p>
           <a:p>
+            <a:pPr marL="457200" indent="-457200">
+              <a:buFont typeface="+mj-lt"/>
+              <a:buAutoNum type="arabicPeriod"/>
+            </a:pPr>
             <a:r>
               <a:rPr lang="en-US" dirty="0" smtClean="0"/>
               <a:t>Small dataset leads to instability (probabilities can be 0 or 1 with high variance)</a:t>
             </a:r>
           </a:p>
           <a:p>
+            <a:pPr marL="457200" indent="-457200">
+              <a:buFont typeface="+mj-lt"/>
+              <a:buAutoNum type="arabicPeriod"/>
+            </a:pPr>
             <a:r>
               <a:rPr lang="en-US" dirty="0" smtClean="0"/>
               <a:t>Ignores interactions and therefore needs less data</a:t>
             </a:r>
           </a:p>
           <a:p>
+            <a:pPr marL="457200" indent="-457200">
+              <a:buFont typeface="+mj-lt"/>
+              <a:buAutoNum type="arabicPeriod"/>
+            </a:pPr>
             <a:r>
               <a:rPr lang="en-US" dirty="0" smtClean="0"/>
               <a:t>Works well with multiclass problems</a:t>
             </a:r>
           </a:p>
           <a:p>
+            <a:pPr marL="457200" indent="-457200">
+              <a:buFont typeface="+mj-lt"/>
+              <a:buAutoNum type="arabicPeriod"/>
+            </a:pPr>
             <a:r>
               <a:rPr lang="en-US" dirty="0" smtClean="0"/>
               <a:t>Works </a:t>
@@ -5289,24 +5042,40 @@
             </a:r>
           </a:p>
           <a:p>
+            <a:pPr marL="457200" indent="-457200">
+              <a:buFont typeface="+mj-lt"/>
+              <a:buAutoNum type="arabicPeriod"/>
+            </a:pPr>
             <a:r>
               <a:rPr lang="en-US" dirty="0" smtClean="0"/>
               <a:t>Continuous features require binning or assumption of a distribution</a:t>
             </a:r>
           </a:p>
           <a:p>
+            <a:pPr marL="457200" indent="-457200">
+              <a:buFont typeface="+mj-lt"/>
+              <a:buAutoNum type="arabicPeriod"/>
+            </a:pPr>
             <a:r>
               <a:rPr lang="en-US" dirty="0" smtClean="0"/>
               <a:t>Doesn’t perform well for imbalanced datasets</a:t>
             </a:r>
           </a:p>
           <a:p>
+            <a:pPr marL="457200" indent="-457200">
+              <a:buFont typeface="+mj-lt"/>
+              <a:buAutoNum type="arabicPeriod"/>
+            </a:pPr>
             <a:r>
               <a:rPr lang="en-US" dirty="0" smtClean="0"/>
               <a:t>Can be used for segments of the data (with other models for the rest)</a:t>
             </a:r>
           </a:p>
           <a:p>
+            <a:pPr marL="457200" indent="-457200">
+              <a:buFont typeface="+mj-lt"/>
+              <a:buAutoNum type="arabicPeriod"/>
+            </a:pPr>
             <a:r>
               <a:rPr lang="en-US" dirty="0" smtClean="0"/>
               <a:t>Can be used as a generative model (e.g. generate text)</a:t>
@@ -5327,7 +5096,7 @@
 </p:sld>
 </file>
 
-<file path=ppt/slides/slide8.xml><?xml version="1.0" encoding="utf-8"?>
+<file path=ppt/slides/slide13.xml><?xml version="1.0" encoding="utf-8"?>
 <p:sld xmlns:a="http://schemas.openxmlformats.org/drawingml/2006/main" xmlns:r="http://schemas.openxmlformats.org/officeDocument/2006/relationships" xmlns:p="http://schemas.openxmlformats.org/presentationml/2006/main">
   <p:cSld>
     <p:spTree>
@@ -5485,6 +5254,744 @@
 </p:sld>
 </file>
 
+<file path=ppt/slides/slide14.xml><?xml version="1.0" encoding="utf-8"?>
+<p:sld xmlns:a="http://schemas.openxmlformats.org/drawingml/2006/main" xmlns:r="http://schemas.openxmlformats.org/officeDocument/2006/relationships" xmlns:p="http://schemas.openxmlformats.org/presentationml/2006/main">
+  <p:cSld>
+    <p:spTree>
+      <p:nvGrpSpPr>
+        <p:cNvPr id="1" name=""/>
+        <p:cNvGrpSpPr/>
+        <p:nvPr/>
+      </p:nvGrpSpPr>
+      <p:grpSpPr>
+        <a:xfrm>
+          <a:off x="0" y="0"/>
+          <a:ext cx="0" cy="0"/>
+          <a:chOff x="0" y="0"/>
+          <a:chExt cx="0" cy="0"/>
+        </a:xfrm>
+      </p:grpSpPr>
+      <p:sp>
+        <p:nvSpPr>
+          <p:cNvPr id="2" name="Title 1"/>
+          <p:cNvSpPr>
+            <a:spLocks noGrp="1"/>
+          </p:cNvSpPr>
+          <p:nvPr>
+            <p:ph type="title"/>
+          </p:nvPr>
+        </p:nvSpPr>
+        <p:spPr/>
+        <p:txBody>
+          <a:bodyPr/>
+          <a:lstStyle/>
+          <a:p>
+            <a:r>
+              <a:rPr lang="en-US" dirty="0" smtClean="0"/>
+              <a:t>Application – Language Model</a:t>
+            </a:r>
+            <a:endParaRPr lang="he-IL" dirty="0"/>
+          </a:p>
+        </p:txBody>
+      </p:sp>
+      <p:sp>
+        <p:nvSpPr>
+          <p:cNvPr id="3" name="Content Placeholder 2"/>
+          <p:cNvSpPr>
+            <a:spLocks noGrp="1"/>
+          </p:cNvSpPr>
+          <p:nvPr>
+            <p:ph idx="1"/>
+          </p:nvPr>
+        </p:nvSpPr>
+        <p:spPr/>
+        <p:txBody>
+          <a:bodyPr/>
+          <a:lstStyle/>
+          <a:p>
+            <a:r>
+              <a:rPr lang="en-US" dirty="0" smtClean="0"/>
+              <a:t>How likely is each sentence in the language?</a:t>
+            </a:r>
+            <a:endParaRPr lang="he-IL" dirty="0"/>
+          </a:p>
+        </p:txBody>
+      </p:sp>
+    </p:spTree>
+    <p:extLst>
+      <p:ext uri="{BB962C8B-B14F-4D97-AF65-F5344CB8AC3E}">
+        <p14:creationId xmlns:p14="http://schemas.microsoft.com/office/powerpoint/2010/main" val="2015076013"/>
+      </p:ext>
+    </p:extLst>
+  </p:cSld>
+  <p:clrMapOvr>
+    <a:masterClrMapping/>
+  </p:clrMapOvr>
+  <p:timing>
+    <p:tnLst>
+      <p:par>
+        <p:cTn id="1" dur="indefinite" restart="never" nodeType="tmRoot"/>
+      </p:par>
+    </p:tnLst>
+  </p:timing>
+</p:sld>
+</file>
+
+<file path=ppt/slides/slide2.xml><?xml version="1.0" encoding="utf-8"?>
+<p:sld xmlns:a="http://schemas.openxmlformats.org/drawingml/2006/main" xmlns:r="http://schemas.openxmlformats.org/officeDocument/2006/relationships" xmlns:p="http://schemas.openxmlformats.org/presentationml/2006/main">
+  <p:cSld>
+    <p:spTree>
+      <p:nvGrpSpPr>
+        <p:cNvPr id="1" name=""/>
+        <p:cNvGrpSpPr/>
+        <p:nvPr/>
+      </p:nvGrpSpPr>
+      <p:grpSpPr>
+        <a:xfrm>
+          <a:off x="0" y="0"/>
+          <a:ext cx="0" cy="0"/>
+          <a:chOff x="0" y="0"/>
+          <a:chExt cx="0" cy="0"/>
+        </a:xfrm>
+      </p:grpSpPr>
+      <p:sp>
+        <p:nvSpPr>
+          <p:cNvPr id="2" name="Title 1"/>
+          <p:cNvSpPr>
+            <a:spLocks noGrp="1"/>
+          </p:cNvSpPr>
+          <p:nvPr>
+            <p:ph type="title"/>
+          </p:nvPr>
+        </p:nvSpPr>
+        <p:spPr/>
+        <p:txBody>
+          <a:bodyPr/>
+          <a:lstStyle/>
+          <a:p>
+            <a:r>
+              <a:rPr lang="en-US" dirty="0" smtClean="0"/>
+              <a:t>Recommended Reading</a:t>
+            </a:r>
+            <a:endParaRPr lang="he-IL" dirty="0"/>
+          </a:p>
+        </p:txBody>
+      </p:sp>
+      <p:sp>
+        <p:nvSpPr>
+          <p:cNvPr id="3" name="Content Placeholder 2"/>
+          <p:cNvSpPr>
+            <a:spLocks noGrp="1"/>
+          </p:cNvSpPr>
+          <p:nvPr>
+            <p:ph idx="1"/>
+          </p:nvPr>
+        </p:nvSpPr>
+        <p:spPr/>
+        <p:txBody>
+          <a:bodyPr/>
+          <a:lstStyle/>
+          <a:p>
+            <a:r>
+              <a:rPr lang="en-US" dirty="0" smtClean="0"/>
+              <a:t>Read </a:t>
+            </a:r>
+            <a:r>
+              <a:rPr lang="en-US" dirty="0" smtClean="0">
+                <a:hlinkClick r:id="rId2"/>
+              </a:rPr>
+              <a:t>https</a:t>
+            </a:r>
+            <a:r>
+              <a:rPr lang="en-US" dirty="0">
+                <a:hlinkClick r:id="rId2"/>
+              </a:rPr>
+              <a:t>://www.analyticsvidhya.com/blog/2015/09/naive-bayes-explained</a:t>
+            </a:r>
+            <a:r>
+              <a:rPr lang="en-US" dirty="0" smtClean="0">
+                <a:hlinkClick r:id="rId2"/>
+              </a:rPr>
+              <a:t>/</a:t>
+            </a:r>
+            <a:endParaRPr lang="en-US" dirty="0" smtClean="0"/>
+          </a:p>
+          <a:p>
+            <a:r>
+              <a:rPr lang="en-US" dirty="0"/>
+              <a:t>or </a:t>
+            </a:r>
+            <a:r>
+              <a:rPr lang="en-US" dirty="0">
+                <a:hlinkClick r:id="rId3"/>
+              </a:rPr>
+              <a:t>http://</a:t>
+            </a:r>
+            <a:r>
+              <a:rPr lang="en-US" dirty="0" smtClean="0">
+                <a:hlinkClick r:id="rId3"/>
+              </a:rPr>
+              <a:t>guidetodatamining.com/assets/guideChapters/DataMining-ch6.pdf</a:t>
+            </a:r>
+            <a:r>
+              <a:rPr lang="en-US" dirty="0" smtClean="0"/>
+              <a:t> (longer)</a:t>
+            </a:r>
+            <a:endParaRPr lang="he-IL" dirty="0"/>
+          </a:p>
+        </p:txBody>
+      </p:sp>
+    </p:spTree>
+    <p:extLst>
+      <p:ext uri="{BB962C8B-B14F-4D97-AF65-F5344CB8AC3E}">
+        <p14:creationId xmlns:p14="http://schemas.microsoft.com/office/powerpoint/2010/main" val="3858006864"/>
+      </p:ext>
+    </p:extLst>
+  </p:cSld>
+  <p:clrMapOvr>
+    <a:masterClrMapping/>
+  </p:clrMapOvr>
+</p:sld>
+</file>
+
+<file path=ppt/slides/slide3.xml><?xml version="1.0" encoding="utf-8"?>
+<p:sld xmlns:a="http://schemas.openxmlformats.org/drawingml/2006/main" xmlns:r="http://schemas.openxmlformats.org/officeDocument/2006/relationships" xmlns:p="http://schemas.openxmlformats.org/presentationml/2006/main">
+  <p:cSld>
+    <p:spTree>
+      <p:nvGrpSpPr>
+        <p:cNvPr id="1" name=""/>
+        <p:cNvGrpSpPr/>
+        <p:nvPr/>
+      </p:nvGrpSpPr>
+      <p:grpSpPr>
+        <a:xfrm>
+          <a:off x="0" y="0"/>
+          <a:ext cx="0" cy="0"/>
+          <a:chOff x="0" y="0"/>
+          <a:chExt cx="0" cy="0"/>
+        </a:xfrm>
+      </p:grpSpPr>
+      <p:sp>
+        <p:nvSpPr>
+          <p:cNvPr id="2" name="Title 1"/>
+          <p:cNvSpPr>
+            <a:spLocks noGrp="1"/>
+          </p:cNvSpPr>
+          <p:nvPr>
+            <p:ph type="title"/>
+          </p:nvPr>
+        </p:nvSpPr>
+        <p:spPr/>
+        <p:txBody>
+          <a:bodyPr/>
+          <a:lstStyle/>
+          <a:p>
+            <a:r>
+              <a:rPr lang="en-US" dirty="0" smtClean="0"/>
+              <a:t>Bayes Formula</a:t>
+            </a:r>
+            <a:endParaRPr lang="he-IL" dirty="0"/>
+          </a:p>
+        </p:txBody>
+      </p:sp>
+      <p:pic>
+        <p:nvPicPr>
+          <p:cNvPr id="1026" name="Picture 2" descr="Bayes_rule-300x172"/>
+          <p:cNvPicPr>
+            <a:picLocks noGrp="1" noChangeAspect="1" noChangeArrowheads="1"/>
+          </p:cNvPicPr>
+          <p:nvPr>
+            <p:ph idx="1"/>
+          </p:nvPr>
+        </p:nvPicPr>
+        <p:blipFill>
+          <a:blip r:embed="rId2">
+            <a:extLst>
+              <a:ext uri="{28A0092B-C50C-407E-A947-70E740481C1C}">
+                <a14:useLocalDpi xmlns:a14="http://schemas.microsoft.com/office/drawing/2010/main" val="0"/>
+              </a:ext>
+            </a:extLst>
+          </a:blip>
+          <a:srcRect/>
+          <a:stretch>
+            <a:fillRect/>
+          </a:stretch>
+        </p:blipFill>
+        <p:spPr bwMode="auto">
+          <a:xfrm>
+            <a:off x="3040414" y="2667000"/>
+            <a:ext cx="5687310" cy="3260724"/>
+          </a:xfrm>
+          <a:prstGeom prst="rect">
+            <a:avLst/>
+          </a:prstGeom>
+          <a:noFill/>
+          <a:extLst>
+            <a:ext uri="{909E8E84-426E-40DD-AFC4-6F175D3DCCD1}">
+              <a14:hiddenFill xmlns:a14="http://schemas.microsoft.com/office/drawing/2010/main">
+                <a:solidFill>
+                  <a:srgbClr val="FFFFFF"/>
+                </a:solidFill>
+              </a14:hiddenFill>
+            </a:ext>
+          </a:extLst>
+        </p:spPr>
+      </p:pic>
+    </p:spTree>
+    <p:extLst>
+      <p:ext uri="{BB962C8B-B14F-4D97-AF65-F5344CB8AC3E}">
+        <p14:creationId xmlns:p14="http://schemas.microsoft.com/office/powerpoint/2010/main" val="656912582"/>
+      </p:ext>
+    </p:extLst>
+  </p:cSld>
+  <p:clrMapOvr>
+    <a:masterClrMapping/>
+  </p:clrMapOvr>
+</p:sld>
+</file>
+
+<file path=ppt/slides/slide4.xml><?xml version="1.0" encoding="utf-8"?>
+<p:sld xmlns:a="http://schemas.openxmlformats.org/drawingml/2006/main" xmlns:r="http://schemas.openxmlformats.org/officeDocument/2006/relationships" xmlns:p="http://schemas.openxmlformats.org/presentationml/2006/main">
+  <p:cSld>
+    <p:spTree>
+      <p:nvGrpSpPr>
+        <p:cNvPr id="1" name=""/>
+        <p:cNvGrpSpPr/>
+        <p:nvPr/>
+      </p:nvGrpSpPr>
+      <p:grpSpPr>
+        <a:xfrm>
+          <a:off x="0" y="0"/>
+          <a:ext cx="0" cy="0"/>
+          <a:chOff x="0" y="0"/>
+          <a:chExt cx="0" cy="0"/>
+        </a:xfrm>
+      </p:grpSpPr>
+      <p:sp>
+        <p:nvSpPr>
+          <p:cNvPr id="2" name="Title 1"/>
+          <p:cNvSpPr>
+            <a:spLocks noGrp="1"/>
+          </p:cNvSpPr>
+          <p:nvPr>
+            <p:ph type="title"/>
+          </p:nvPr>
+        </p:nvSpPr>
+        <p:spPr/>
+        <p:txBody>
+          <a:bodyPr/>
+          <a:lstStyle/>
+          <a:p>
+            <a:r>
+              <a:rPr lang="en-US" dirty="0" smtClean="0"/>
+              <a:t>Naïve Bayes </a:t>
+            </a:r>
+            <a:r>
+              <a:rPr lang="en-US" smtClean="0"/>
+              <a:t>- Example</a:t>
+            </a:r>
+            <a:endParaRPr lang="he-IL"/>
+          </a:p>
+        </p:txBody>
+      </p:sp>
+      <p:sp>
+        <p:nvSpPr>
+          <p:cNvPr id="3" name="Content Placeholder 2"/>
+          <p:cNvSpPr>
+            <a:spLocks noGrp="1"/>
+          </p:cNvSpPr>
+          <p:nvPr>
+            <p:ph idx="1"/>
+          </p:nvPr>
+        </p:nvSpPr>
+        <p:spPr/>
+        <p:txBody>
+          <a:bodyPr/>
+          <a:lstStyle/>
+          <a:p>
+            <a:endParaRPr lang="he-IL"/>
+          </a:p>
+        </p:txBody>
+      </p:sp>
+      <p:pic>
+        <p:nvPicPr>
+          <p:cNvPr id="4" name="Picture 3"/>
+          <p:cNvPicPr>
+            <a:picLocks noChangeAspect="1"/>
+          </p:cNvPicPr>
+          <p:nvPr/>
+        </p:nvPicPr>
+        <p:blipFill>
+          <a:blip r:embed="rId2"/>
+          <a:stretch>
+            <a:fillRect/>
+          </a:stretch>
+        </p:blipFill>
+        <p:spPr>
+          <a:xfrm>
+            <a:off x="1024324" y="2302733"/>
+            <a:ext cx="6115050" cy="1733550"/>
+          </a:xfrm>
+          <a:prstGeom prst="rect">
+            <a:avLst/>
+          </a:prstGeom>
+        </p:spPr>
+      </p:pic>
+      <p:pic>
+        <p:nvPicPr>
+          <p:cNvPr id="5" name="Picture 4"/>
+          <p:cNvPicPr>
+            <a:picLocks noChangeAspect="1"/>
+          </p:cNvPicPr>
+          <p:nvPr/>
+        </p:nvPicPr>
+        <p:blipFill>
+          <a:blip r:embed="rId3"/>
+          <a:stretch>
+            <a:fillRect/>
+          </a:stretch>
+        </p:blipFill>
+        <p:spPr>
+          <a:xfrm>
+            <a:off x="7589623" y="2466073"/>
+            <a:ext cx="1485900" cy="2790825"/>
+          </a:xfrm>
+          <a:prstGeom prst="rect">
+            <a:avLst/>
+          </a:prstGeom>
+        </p:spPr>
+      </p:pic>
+      <p:pic>
+        <p:nvPicPr>
+          <p:cNvPr id="6" name="Picture 5"/>
+          <p:cNvPicPr>
+            <a:picLocks noChangeAspect="1"/>
+          </p:cNvPicPr>
+          <p:nvPr/>
+        </p:nvPicPr>
+        <p:blipFill>
+          <a:blip r:embed="rId4"/>
+          <a:stretch>
+            <a:fillRect/>
+          </a:stretch>
+        </p:blipFill>
+        <p:spPr>
+          <a:xfrm>
+            <a:off x="1017758" y="4269393"/>
+            <a:ext cx="6029325" cy="1704975"/>
+          </a:xfrm>
+          <a:prstGeom prst="rect">
+            <a:avLst/>
+          </a:prstGeom>
+        </p:spPr>
+      </p:pic>
+      <p:pic>
+        <p:nvPicPr>
+          <p:cNvPr id="7" name="Picture 6"/>
+          <p:cNvPicPr>
+            <a:picLocks noChangeAspect="1"/>
+          </p:cNvPicPr>
+          <p:nvPr/>
+        </p:nvPicPr>
+        <p:blipFill>
+          <a:blip r:embed="rId5"/>
+          <a:stretch>
+            <a:fillRect/>
+          </a:stretch>
+        </p:blipFill>
+        <p:spPr>
+          <a:xfrm>
+            <a:off x="7663376" y="5803814"/>
+            <a:ext cx="1857375" cy="514350"/>
+          </a:xfrm>
+          <a:prstGeom prst="rect">
+            <a:avLst/>
+          </a:prstGeom>
+        </p:spPr>
+      </p:pic>
+    </p:spTree>
+    <p:extLst>
+      <p:ext uri="{BB962C8B-B14F-4D97-AF65-F5344CB8AC3E}">
+        <p14:creationId xmlns:p14="http://schemas.microsoft.com/office/powerpoint/2010/main" val="4077918704"/>
+      </p:ext>
+    </p:extLst>
+  </p:cSld>
+  <p:clrMapOvr>
+    <a:masterClrMapping/>
+  </p:clrMapOvr>
+</p:sld>
+</file>
+
+<file path=ppt/slides/slide5.xml><?xml version="1.0" encoding="utf-8"?>
+<p:sld xmlns:a="http://schemas.openxmlformats.org/drawingml/2006/main" xmlns:r="http://schemas.openxmlformats.org/officeDocument/2006/relationships" xmlns:p="http://schemas.openxmlformats.org/presentationml/2006/main">
+  <p:cSld>
+    <p:spTree>
+      <p:nvGrpSpPr>
+        <p:cNvPr id="1" name=""/>
+        <p:cNvGrpSpPr/>
+        <p:nvPr/>
+      </p:nvGrpSpPr>
+      <p:grpSpPr>
+        <a:xfrm>
+          <a:off x="0" y="0"/>
+          <a:ext cx="0" cy="0"/>
+          <a:chOff x="0" y="0"/>
+          <a:chExt cx="0" cy="0"/>
+        </a:xfrm>
+      </p:grpSpPr>
+      <p:pic>
+        <p:nvPicPr>
+          <p:cNvPr id="4" name="Content Placeholder 3"/>
+          <p:cNvPicPr>
+            <a:picLocks noGrp="1" noChangeAspect="1"/>
+          </p:cNvPicPr>
+          <p:nvPr>
+            <p:ph idx="1"/>
+          </p:nvPr>
+        </p:nvPicPr>
+        <p:blipFill>
+          <a:blip r:embed="rId2"/>
+          <a:stretch>
+            <a:fillRect/>
+          </a:stretch>
+        </p:blipFill>
+        <p:spPr>
+          <a:xfrm>
+            <a:off x="793292" y="370704"/>
+            <a:ext cx="10543504" cy="6237242"/>
+          </a:xfrm>
+          <a:prstGeom prst="rect">
+            <a:avLst/>
+          </a:prstGeom>
+        </p:spPr>
+      </p:pic>
+    </p:spTree>
+    <p:extLst>
+      <p:ext uri="{BB962C8B-B14F-4D97-AF65-F5344CB8AC3E}">
+        <p14:creationId xmlns:p14="http://schemas.microsoft.com/office/powerpoint/2010/main" val="2807231937"/>
+      </p:ext>
+    </p:extLst>
+  </p:cSld>
+  <p:clrMapOvr>
+    <a:masterClrMapping/>
+  </p:clrMapOvr>
+</p:sld>
+</file>
+
+<file path=ppt/slides/slide6.xml><?xml version="1.0" encoding="utf-8"?>
+<p:sld xmlns:a="http://schemas.openxmlformats.org/drawingml/2006/main" xmlns:r="http://schemas.openxmlformats.org/officeDocument/2006/relationships" xmlns:p="http://schemas.openxmlformats.org/presentationml/2006/main">
+  <p:cSld>
+    <p:spTree>
+      <p:nvGrpSpPr>
+        <p:cNvPr id="1" name=""/>
+        <p:cNvGrpSpPr/>
+        <p:nvPr/>
+      </p:nvGrpSpPr>
+      <p:grpSpPr>
+        <a:xfrm>
+          <a:off x="0" y="0"/>
+          <a:ext cx="0" cy="0"/>
+          <a:chOff x="0" y="0"/>
+          <a:chExt cx="0" cy="0"/>
+        </a:xfrm>
+      </p:grpSpPr>
+      <p:pic>
+        <p:nvPicPr>
+          <p:cNvPr id="4" name="Content Placeholder 3"/>
+          <p:cNvPicPr>
+            <a:picLocks noGrp="1" noChangeAspect="1"/>
+          </p:cNvPicPr>
+          <p:nvPr>
+            <p:ph idx="4294967295"/>
+          </p:nvPr>
+        </p:nvPicPr>
+        <p:blipFill>
+          <a:blip r:embed="rId2"/>
+          <a:stretch>
+            <a:fillRect/>
+          </a:stretch>
+        </p:blipFill>
+        <p:spPr>
+          <a:xfrm>
+            <a:off x="457199" y="254257"/>
+            <a:ext cx="11145795" cy="6201548"/>
+          </a:xfrm>
+          <a:prstGeom prst="rect">
+            <a:avLst/>
+          </a:prstGeom>
+        </p:spPr>
+      </p:pic>
+    </p:spTree>
+    <p:extLst>
+      <p:ext uri="{BB962C8B-B14F-4D97-AF65-F5344CB8AC3E}">
+        <p14:creationId xmlns:p14="http://schemas.microsoft.com/office/powerpoint/2010/main" val="2655898531"/>
+      </p:ext>
+    </p:extLst>
+  </p:cSld>
+  <p:clrMapOvr>
+    <a:masterClrMapping/>
+  </p:clrMapOvr>
+</p:sld>
+</file>
+
+<file path=ppt/slides/slide7.xml><?xml version="1.0" encoding="utf-8"?>
+<p:sld xmlns:a="http://schemas.openxmlformats.org/drawingml/2006/main" xmlns:r="http://schemas.openxmlformats.org/officeDocument/2006/relationships" xmlns:p="http://schemas.openxmlformats.org/presentationml/2006/main">
+  <p:cSld>
+    <p:spTree>
+      <p:nvGrpSpPr>
+        <p:cNvPr id="1" name=""/>
+        <p:cNvGrpSpPr/>
+        <p:nvPr/>
+      </p:nvGrpSpPr>
+      <p:grpSpPr>
+        <a:xfrm>
+          <a:off x="0" y="0"/>
+          <a:ext cx="0" cy="0"/>
+          <a:chOff x="0" y="0"/>
+          <a:chExt cx="0" cy="0"/>
+        </a:xfrm>
+      </p:grpSpPr>
+      <p:sp>
+        <p:nvSpPr>
+          <p:cNvPr id="2" name="Title 1"/>
+          <p:cNvSpPr>
+            <a:spLocks noGrp="1"/>
+          </p:cNvSpPr>
+          <p:nvPr>
+            <p:ph type="title"/>
+          </p:nvPr>
+        </p:nvSpPr>
+        <p:spPr/>
+        <p:txBody>
+          <a:bodyPr/>
+          <a:lstStyle/>
+          <a:p>
+            <a:r>
+              <a:rPr lang="en-US" dirty="0" smtClean="0"/>
+              <a:t>Using Bayes Theorem</a:t>
+            </a:r>
+            <a:endParaRPr lang="he-IL" dirty="0"/>
+          </a:p>
+        </p:txBody>
+      </p:sp>
+      <p:pic>
+        <p:nvPicPr>
+          <p:cNvPr id="4" name="Content Placeholder 3"/>
+          <p:cNvPicPr>
+            <a:picLocks noGrp="1" noChangeAspect="1"/>
+          </p:cNvPicPr>
+          <p:nvPr>
+            <p:ph idx="1"/>
+          </p:nvPr>
+        </p:nvPicPr>
+        <p:blipFill>
+          <a:blip r:embed="rId2"/>
+          <a:stretch>
+            <a:fillRect/>
+          </a:stretch>
+        </p:blipFill>
+        <p:spPr>
+          <a:xfrm>
+            <a:off x="2812256" y="3016250"/>
+            <a:ext cx="6143625" cy="2562225"/>
+          </a:xfrm>
+          <a:prstGeom prst="rect">
+            <a:avLst/>
+          </a:prstGeom>
+        </p:spPr>
+      </p:pic>
+    </p:spTree>
+    <p:extLst>
+      <p:ext uri="{BB962C8B-B14F-4D97-AF65-F5344CB8AC3E}">
+        <p14:creationId xmlns:p14="http://schemas.microsoft.com/office/powerpoint/2010/main" val="759810647"/>
+      </p:ext>
+    </p:extLst>
+  </p:cSld>
+  <p:clrMapOvr>
+    <a:masterClrMapping/>
+  </p:clrMapOvr>
+</p:sld>
+</file>
+
+<file path=ppt/slides/slide8.xml><?xml version="1.0" encoding="utf-8"?>
+<p:sld xmlns:a="http://schemas.openxmlformats.org/drawingml/2006/main" xmlns:r="http://schemas.openxmlformats.org/officeDocument/2006/relationships" xmlns:p="http://schemas.openxmlformats.org/presentationml/2006/main">
+  <p:cSld>
+    <p:spTree>
+      <p:nvGrpSpPr>
+        <p:cNvPr id="1" name=""/>
+        <p:cNvGrpSpPr/>
+        <p:nvPr/>
+      </p:nvGrpSpPr>
+      <p:grpSpPr>
+        <a:xfrm>
+          <a:off x="0" y="0"/>
+          <a:ext cx="0" cy="0"/>
+          <a:chOff x="0" y="0"/>
+          <a:chExt cx="0" cy="0"/>
+        </a:xfrm>
+      </p:grpSpPr>
+      <p:sp>
+        <p:nvSpPr>
+          <p:cNvPr id="2" name="Title 1"/>
+          <p:cNvSpPr>
+            <a:spLocks noGrp="1"/>
+          </p:cNvSpPr>
+          <p:nvPr>
+            <p:ph type="title"/>
+          </p:nvPr>
+        </p:nvSpPr>
+        <p:spPr/>
+        <p:txBody>
+          <a:bodyPr/>
+          <a:lstStyle/>
+          <a:p>
+            <a:r>
+              <a:rPr lang="en-US" dirty="0" smtClean="0"/>
+              <a:t>Making Predictions</a:t>
+            </a:r>
+            <a:endParaRPr lang="he-IL" dirty="0"/>
+          </a:p>
+        </p:txBody>
+      </p:sp>
+      <p:pic>
+        <p:nvPicPr>
+          <p:cNvPr id="4" name="Content Placeholder 3"/>
+          <p:cNvPicPr>
+            <a:picLocks noGrp="1" noChangeAspect="1"/>
+          </p:cNvPicPr>
+          <p:nvPr>
+            <p:ph idx="1"/>
+          </p:nvPr>
+        </p:nvPicPr>
+        <p:blipFill>
+          <a:blip r:embed="rId2"/>
+          <a:stretch>
+            <a:fillRect/>
+          </a:stretch>
+        </p:blipFill>
+        <p:spPr>
+          <a:xfrm>
+            <a:off x="888720" y="2879124"/>
+            <a:ext cx="9990698" cy="2836476"/>
+          </a:xfrm>
+          <a:prstGeom prst="rect">
+            <a:avLst/>
+          </a:prstGeom>
+        </p:spPr>
+      </p:pic>
+    </p:spTree>
+    <p:extLst>
+      <p:ext uri="{BB962C8B-B14F-4D97-AF65-F5344CB8AC3E}">
+        <p14:creationId xmlns:p14="http://schemas.microsoft.com/office/powerpoint/2010/main" val="2839034866"/>
+      </p:ext>
+    </p:extLst>
+  </p:cSld>
+  <p:clrMapOvr>
+    <a:masterClrMapping/>
+  </p:clrMapOvr>
+</p:sld>
+</file>
+
 <file path=ppt/slides/slide9.xml><?xml version="1.0" encoding="utf-8"?>
 <p:sld xmlns:a="http://schemas.openxmlformats.org/drawingml/2006/main" xmlns:r="http://schemas.openxmlformats.org/officeDocument/2006/relationships" xmlns:p="http://schemas.openxmlformats.org/presentationml/2006/main">
   <p:cSld>
@@ -5502,56 +6009,36 @@
           <a:chExt cx="0" cy="0"/>
         </a:xfrm>
       </p:grpSpPr>
-      <p:sp>
-        <p:nvSpPr>
-          <p:cNvPr id="2" name="Title 1"/>
-          <p:cNvSpPr>
-            <a:spLocks noGrp="1"/>
-          </p:cNvSpPr>
-          <p:nvPr>
-            <p:ph type="title"/>
-          </p:nvPr>
-        </p:nvSpPr>
-        <p:spPr/>
-        <p:txBody>
-          <a:bodyPr/>
-          <a:lstStyle/>
-          <a:p>
-            <a:r>
-              <a:rPr lang="en-US" dirty="0" smtClean="0"/>
-              <a:t>Application – Language Model</a:t>
-            </a:r>
-            <a:endParaRPr lang="he-IL" dirty="0"/>
-          </a:p>
-        </p:txBody>
-      </p:sp>
-      <p:sp>
-        <p:nvSpPr>
+      <p:pic>
+        <p:nvPicPr>
           <p:cNvPr id="3" name="Content Placeholder 2"/>
-          <p:cNvSpPr>
-            <a:spLocks noGrp="1"/>
-          </p:cNvSpPr>
+          <p:cNvPicPr>
+            <a:picLocks noGrp="1" noChangeAspect="1"/>
+          </p:cNvPicPr>
           <p:nvPr>
             <p:ph idx="1"/>
           </p:nvPr>
-        </p:nvSpPr>
-        <p:spPr/>
-        <p:txBody>
-          <a:bodyPr/>
-          <a:lstStyle/>
-          <a:p>
-            <a:r>
-              <a:rPr lang="en-US" dirty="0" smtClean="0"/>
-              <a:t>How likely is each sentence in the language?</a:t>
-            </a:r>
-            <a:endParaRPr lang="he-IL" dirty="0"/>
-          </a:p>
-        </p:txBody>
-      </p:sp>
+        </p:nvPicPr>
+        <p:blipFill>
+          <a:blip r:embed="rId2"/>
+          <a:stretch>
+            <a:fillRect/>
+          </a:stretch>
+        </p:blipFill>
+        <p:spPr>
+          <a:xfrm>
+            <a:off x="1391591" y="642551"/>
+            <a:ext cx="9346906" cy="5693548"/>
+          </a:xfrm>
+          <a:prstGeom prst="rect">
+            <a:avLst/>
+          </a:prstGeom>
+        </p:spPr>
+      </p:pic>
     </p:spTree>
     <p:extLst>
       <p:ext uri="{BB962C8B-B14F-4D97-AF65-F5344CB8AC3E}">
-        <p14:creationId xmlns:p14="http://schemas.microsoft.com/office/powerpoint/2010/main" val="2015076013"/>
+        <p14:creationId xmlns:p14="http://schemas.microsoft.com/office/powerpoint/2010/main" val="3998766602"/>
       </p:ext>
     </p:extLst>
   </p:cSld>
